--- a/images/2017-09-16-some-viewpoint-about-system-design-figure1.pptx
+++ b/images/2017-09-16-some-viewpoint-about-system-design-figure1.pptx
@@ -104,6 +104,11 @@
       </a:defRPr>
     </a:lvl9pPr>
   </p:defaultTextStyle>
+  <p:extLst>
+    <p:ext uri="{EFAFB233-063F-42B5-8137-9DF3F51BA10A}">
+      <p15:sldGuideLst xmlns:p15="http://schemas.microsoft.com/office/powerpoint/2012/main"/>
+    </p:ext>
+  </p:extLst>
 </p:presentation>
 </file>
 
@@ -3340,7 +3345,7 @@
         <p:spPr>
           <a:xfrm>
             <a:off x="2938073" y="2383435"/>
-            <a:ext cx="1199213" cy="707886"/>
+            <a:ext cx="1199213" cy="400110"/>
           </a:xfrm>
           <a:prstGeom prst="rect">
             <a:avLst/>
@@ -3365,13 +3370,13 @@
           <a:p>
             <a:pPr algn="ctr"/>
             <a:r>
-              <a:rPr lang="zh-CN" altLang="en-US" sz="2000" dirty="0">
+              <a:rPr lang="zh-CN" altLang="en-US" sz="1000" dirty="0">
                 <a:latin typeface="微软雅黑" panose="020B0503020204020204" pitchFamily="34" charset="-122"/>
                 <a:ea typeface="微软雅黑" panose="020B0503020204020204" pitchFamily="34" charset="-122"/>
               </a:rPr>
               <a:t>输入</a:t>
             </a:r>
-            <a:endParaRPr lang="en-US" altLang="zh-CN" sz="2000" dirty="0">
+            <a:endParaRPr lang="en-US" altLang="zh-CN" sz="1000" dirty="0">
               <a:latin typeface="微软雅黑" panose="020B0503020204020204" pitchFamily="34" charset="-122"/>
               <a:ea typeface="微软雅黑" panose="020B0503020204020204" pitchFamily="34" charset="-122"/>
             </a:endParaRPr>
@@ -3379,7 +3384,7 @@
           <a:p>
             <a:pPr algn="ctr"/>
             <a:r>
-              <a:rPr lang="zh-CN" altLang="en-US" sz="2000" dirty="0">
+              <a:rPr lang="zh-CN" altLang="en-US" sz="1000" dirty="0">
                 <a:latin typeface="微软雅黑" panose="020B0503020204020204" pitchFamily="34" charset="-122"/>
                 <a:ea typeface="微软雅黑" panose="020B0503020204020204" pitchFamily="34" charset="-122"/>
               </a:rPr>
@@ -3402,8 +3407,8 @@
         </p:nvSpPr>
         <p:spPr>
           <a:xfrm>
-            <a:off x="5533870" y="2383435"/>
-            <a:ext cx="1199213" cy="707886"/>
+            <a:off x="4914745" y="2383435"/>
+            <a:ext cx="1199213" cy="400110"/>
           </a:xfrm>
           <a:prstGeom prst="rect">
             <a:avLst/>
@@ -3428,13 +3433,13 @@
           <a:p>
             <a:pPr algn="ctr"/>
             <a:r>
-              <a:rPr lang="zh-CN" altLang="en-US" sz="2000" dirty="0">
+              <a:rPr lang="zh-CN" altLang="en-US" sz="1000" dirty="0">
                 <a:latin typeface="微软雅黑" panose="020B0503020204020204" pitchFamily="34" charset="-122"/>
                 <a:ea typeface="微软雅黑" panose="020B0503020204020204" pitchFamily="34" charset="-122"/>
               </a:rPr>
               <a:t>输出</a:t>
             </a:r>
-            <a:endParaRPr lang="en-US" altLang="zh-CN" sz="2000" dirty="0">
+            <a:endParaRPr lang="en-US" altLang="zh-CN" sz="1000" dirty="0">
               <a:latin typeface="微软雅黑" panose="020B0503020204020204" pitchFamily="34" charset="-122"/>
               <a:ea typeface="微软雅黑" panose="020B0503020204020204" pitchFamily="34" charset="-122"/>
             </a:endParaRPr>
@@ -3442,7 +3447,7 @@
           <a:p>
             <a:pPr algn="ctr"/>
             <a:r>
-              <a:rPr lang="zh-CN" altLang="en-US" sz="2000" dirty="0">
+              <a:rPr lang="zh-CN" altLang="en-US" sz="1000" dirty="0">
                 <a:latin typeface="微软雅黑" panose="020B0503020204020204" pitchFamily="34" charset="-122"/>
                 <a:ea typeface="微软雅黑" panose="020B0503020204020204" pitchFamily="34" charset="-122"/>
               </a:rPr>
@@ -3468,8 +3473,8 @@
         </p:nvCxnSpPr>
         <p:spPr>
           <a:xfrm>
-            <a:off x="4137286" y="2737378"/>
-            <a:ext cx="1396584" cy="0"/>
+            <a:off x="4137286" y="2583490"/>
+            <a:ext cx="777459" cy="0"/>
           </a:xfrm>
           <a:prstGeom prst="straightConnector1">
             <a:avLst/>
@@ -3508,8 +3513,8 @@
         </p:nvSpPr>
         <p:spPr>
           <a:xfrm>
-            <a:off x="4379003" y="2193185"/>
-            <a:ext cx="916275" cy="400110"/>
+            <a:off x="4224729" y="2260324"/>
+            <a:ext cx="602572" cy="246221"/>
           </a:xfrm>
           <a:prstGeom prst="rect">
             <a:avLst/>
@@ -3530,7 +3535,7 @@
           <a:p>
             <a:pPr algn="ctr"/>
             <a:r>
-              <a:rPr lang="zh-CN" altLang="en-US" sz="2000" dirty="0">
+              <a:rPr lang="zh-CN" altLang="en-US" sz="1000" dirty="0">
                 <a:latin typeface="微软雅黑" panose="020B0503020204020204" pitchFamily="34" charset="-122"/>
                 <a:ea typeface="微软雅黑" panose="020B0503020204020204" pitchFamily="34" charset="-122"/>
               </a:rPr>
@@ -3553,8 +3558,8 @@
         </p:nvSpPr>
         <p:spPr>
           <a:xfrm>
-            <a:off x="5430188" y="3445264"/>
-            <a:ext cx="2605790" cy="338554"/>
+            <a:off x="4914745" y="3060542"/>
+            <a:ext cx="1370662" cy="246221"/>
           </a:xfrm>
           <a:prstGeom prst="rect">
             <a:avLst/>
@@ -3574,7 +3579,7 @@
           <a:lstStyle/>
           <a:p>
             <a:r>
-              <a:rPr lang="zh-CN" altLang="en-US" sz="1600" dirty="0">
+              <a:rPr lang="zh-CN" altLang="en-US" sz="1000" dirty="0">
                 <a:latin typeface="微软雅黑" panose="020B0503020204020204" pitchFamily="34" charset="-122"/>
                 <a:ea typeface="微软雅黑" panose="020B0503020204020204" pitchFamily="34" charset="-122"/>
               </a:rPr>
@@ -3597,8 +3602,8 @@
         </p:nvSpPr>
         <p:spPr>
           <a:xfrm>
-            <a:off x="2938073" y="3325344"/>
-            <a:ext cx="2288496" cy="1569660"/>
+            <a:off x="2938073" y="3060542"/>
+            <a:ext cx="1414852" cy="1015663"/>
           </a:xfrm>
           <a:prstGeom prst="rect">
             <a:avLst/>
@@ -3618,13 +3623,13 @@
           <a:lstStyle/>
           <a:p>
             <a:r>
-              <a:rPr lang="zh-CN" altLang="en-US" sz="1600" dirty="0">
+              <a:rPr lang="zh-CN" altLang="en-US" sz="1000" dirty="0">
                 <a:latin typeface="微软雅黑" panose="020B0503020204020204" pitchFamily="34" charset="-122"/>
                 <a:ea typeface="微软雅黑" panose="020B0503020204020204" pitchFamily="34" charset="-122"/>
               </a:rPr>
               <a:t>资源包括：</a:t>
             </a:r>
-            <a:endParaRPr lang="en-US" altLang="zh-CN" sz="1600" dirty="0">
+            <a:endParaRPr lang="en-US" altLang="zh-CN" sz="1000" dirty="0">
               <a:latin typeface="微软雅黑" panose="020B0503020204020204" pitchFamily="34" charset="-122"/>
               <a:ea typeface="微软雅黑" panose="020B0503020204020204" pitchFamily="34" charset="-122"/>
             </a:endParaRPr>
@@ -3635,13 +3640,13 @@
               <a:buChar char="l"/>
             </a:pPr>
             <a:r>
-              <a:rPr lang="zh-CN" altLang="en-US" sz="1600" dirty="0">
+              <a:rPr lang="zh-CN" altLang="en-US" sz="1000" dirty="0">
                 <a:latin typeface="微软雅黑" panose="020B0503020204020204" pitchFamily="34" charset="-122"/>
                 <a:ea typeface="微软雅黑" panose="020B0503020204020204" pitchFamily="34" charset="-122"/>
               </a:rPr>
               <a:t>人力资源</a:t>
             </a:r>
-            <a:endParaRPr lang="en-US" altLang="zh-CN" sz="1600" dirty="0">
+            <a:endParaRPr lang="en-US" altLang="zh-CN" sz="1000" dirty="0">
               <a:latin typeface="微软雅黑" panose="020B0503020204020204" pitchFamily="34" charset="-122"/>
               <a:ea typeface="微软雅黑" panose="020B0503020204020204" pitchFamily="34" charset="-122"/>
             </a:endParaRPr>
@@ -3652,13 +3657,13 @@
               <a:buChar char="l"/>
             </a:pPr>
             <a:r>
-              <a:rPr lang="zh-CN" altLang="en-US" sz="1600" dirty="0">
+              <a:rPr lang="zh-CN" altLang="en-US" sz="1000" dirty="0">
                 <a:latin typeface="微软雅黑" panose="020B0503020204020204" pitchFamily="34" charset="-122"/>
                 <a:ea typeface="微软雅黑" panose="020B0503020204020204" pitchFamily="34" charset="-122"/>
               </a:rPr>
               <a:t>机器资源</a:t>
             </a:r>
-            <a:endParaRPr lang="en-US" altLang="zh-CN" sz="1600" dirty="0">
+            <a:endParaRPr lang="en-US" altLang="zh-CN" sz="1000" dirty="0">
               <a:latin typeface="微软雅黑" panose="020B0503020204020204" pitchFamily="34" charset="-122"/>
               <a:ea typeface="微软雅黑" panose="020B0503020204020204" pitchFamily="34" charset="-122"/>
             </a:endParaRPr>
@@ -3669,13 +3674,13 @@
               <a:buChar char="l"/>
             </a:pPr>
             <a:r>
-              <a:rPr lang="zh-CN" altLang="en-US" sz="1600" dirty="0">
+              <a:rPr lang="zh-CN" altLang="en-US" sz="1000" dirty="0">
                 <a:latin typeface="微软雅黑" panose="020B0503020204020204" pitchFamily="34" charset="-122"/>
                 <a:ea typeface="微软雅黑" panose="020B0503020204020204" pitchFamily="34" charset="-122"/>
               </a:rPr>
               <a:t>研发时间资源</a:t>
             </a:r>
-            <a:endParaRPr lang="en-US" altLang="zh-CN" sz="1600" dirty="0">
+            <a:endParaRPr lang="en-US" altLang="zh-CN" sz="1000" dirty="0">
               <a:latin typeface="微软雅黑" panose="020B0503020204020204" pitchFamily="34" charset="-122"/>
               <a:ea typeface="微软雅黑" panose="020B0503020204020204" pitchFamily="34" charset="-122"/>
             </a:endParaRPr>
@@ -3686,13 +3691,13 @@
               <a:buChar char="l"/>
             </a:pPr>
             <a:r>
-              <a:rPr lang="zh-CN" altLang="en-US" sz="1600" dirty="0">
+              <a:rPr lang="zh-CN" altLang="en-US" sz="1000" dirty="0">
                 <a:latin typeface="微软雅黑" panose="020B0503020204020204" pitchFamily="34" charset="-122"/>
                 <a:ea typeface="微软雅黑" panose="020B0503020204020204" pitchFamily="34" charset="-122"/>
               </a:rPr>
               <a:t>技术培训资源</a:t>
             </a:r>
-            <a:endParaRPr lang="en-US" altLang="zh-CN" sz="1600" dirty="0">
+            <a:endParaRPr lang="en-US" altLang="zh-CN" sz="1000" dirty="0">
               <a:latin typeface="微软雅黑" panose="020B0503020204020204" pitchFamily="34" charset="-122"/>
               <a:ea typeface="微软雅黑" panose="020B0503020204020204" pitchFamily="34" charset="-122"/>
             </a:endParaRPr>
@@ -3703,13 +3708,13 @@
               <a:buChar char="l"/>
             </a:pPr>
             <a:r>
-              <a:rPr lang="en-US" altLang="zh-CN" sz="1600" dirty="0">
+              <a:rPr lang="en-US" altLang="zh-CN" sz="1000" dirty="0">
                 <a:latin typeface="微软雅黑" panose="020B0503020204020204" pitchFamily="34" charset="-122"/>
                 <a:ea typeface="微软雅黑" panose="020B0503020204020204" pitchFamily="34" charset="-122"/>
               </a:rPr>
               <a:t>……</a:t>
             </a:r>
-            <a:endParaRPr lang="zh-CN" altLang="en-US" sz="1600" dirty="0">
+            <a:endParaRPr lang="zh-CN" altLang="en-US" sz="1000" dirty="0">
               <a:latin typeface="微软雅黑" panose="020B0503020204020204" pitchFamily="34" charset="-122"/>
               <a:ea typeface="微软雅黑" panose="020B0503020204020204" pitchFamily="34" charset="-122"/>
             </a:endParaRPr>

--- a/images/2017-09-16-some-viewpoint-about-system-design-figure1.pptx
+++ b/images/2017-09-16-some-viewpoint-about-system-design-figure1.pptx
@@ -3388,7 +3388,24 @@
                 <a:latin typeface="微软雅黑" panose="020B0503020204020204" pitchFamily="34" charset="-122"/>
                 <a:ea typeface="微软雅黑" panose="020B0503020204020204" pitchFamily="34" charset="-122"/>
               </a:rPr>
-              <a:t>（资源）</a:t>
+              <a:t>（</a:t>
+            </a:r>
+            <a:r>
+              <a:rPr lang="zh-CN" altLang="en-US" sz="1000" dirty="0">
+                <a:solidFill>
+                  <a:srgbClr val="FF0000"/>
+                </a:solidFill>
+                <a:latin typeface="微软雅黑" panose="020B0503020204020204" pitchFamily="34" charset="-122"/>
+                <a:ea typeface="微软雅黑" panose="020B0503020204020204" pitchFamily="34" charset="-122"/>
+              </a:rPr>
+              <a:t>资源</a:t>
+            </a:r>
+            <a:r>
+              <a:rPr lang="zh-CN" altLang="en-US" sz="1000" dirty="0">
+                <a:latin typeface="微软雅黑" panose="020B0503020204020204" pitchFamily="34" charset="-122"/>
+                <a:ea typeface="微软雅黑" panose="020B0503020204020204" pitchFamily="34" charset="-122"/>
+              </a:rPr>
+              <a:t>）</a:t>
             </a:r>
           </a:p>
         </p:txBody>
@@ -3451,7 +3468,24 @@
                 <a:latin typeface="微软雅黑" panose="020B0503020204020204" pitchFamily="34" charset="-122"/>
                 <a:ea typeface="微软雅黑" panose="020B0503020204020204" pitchFamily="34" charset="-122"/>
               </a:rPr>
-              <a:t>（系统）</a:t>
+              <a:t>（</a:t>
+            </a:r>
+            <a:r>
+              <a:rPr lang="zh-CN" altLang="en-US" sz="1000" dirty="0">
+                <a:solidFill>
+                  <a:srgbClr val="FF0000"/>
+                </a:solidFill>
+                <a:latin typeface="微软雅黑" panose="020B0503020204020204" pitchFamily="34" charset="-122"/>
+                <a:ea typeface="微软雅黑" panose="020B0503020204020204" pitchFamily="34" charset="-122"/>
+              </a:rPr>
+              <a:t>系统</a:t>
+            </a:r>
+            <a:r>
+              <a:rPr lang="zh-CN" altLang="en-US" sz="1000" dirty="0">
+                <a:latin typeface="微软雅黑" panose="020B0503020204020204" pitchFamily="34" charset="-122"/>
+                <a:ea typeface="微软雅黑" panose="020B0503020204020204" pitchFamily="34" charset="-122"/>
+              </a:rPr>
+              <a:t>）</a:t>
             </a:r>
           </a:p>
         </p:txBody>
@@ -3558,7 +3592,7 @@
         </p:nvSpPr>
         <p:spPr>
           <a:xfrm>
-            <a:off x="4914745" y="3060542"/>
+            <a:off x="4914745" y="2908142"/>
             <a:ext cx="1370662" cy="246221"/>
           </a:xfrm>
           <a:prstGeom prst="rect">
@@ -3580,10 +3614,20 @@
           <a:p>
             <a:r>
               <a:rPr lang="zh-CN" altLang="en-US" sz="1000" dirty="0">
+                <a:solidFill>
+                  <a:srgbClr val="FF0000"/>
+                </a:solidFill>
                 <a:latin typeface="微软雅黑" panose="020B0503020204020204" pitchFamily="34" charset="-122"/>
                 <a:ea typeface="微软雅黑" panose="020B0503020204020204" pitchFamily="34" charset="-122"/>
               </a:rPr>
-              <a:t>系统：满足产品需求</a:t>
+              <a:t>系统</a:t>
+            </a:r>
+            <a:r>
+              <a:rPr lang="zh-CN" altLang="en-US" sz="1000" dirty="0">
+                <a:latin typeface="微软雅黑" panose="020B0503020204020204" pitchFamily="34" charset="-122"/>
+                <a:ea typeface="微软雅黑" panose="020B0503020204020204" pitchFamily="34" charset="-122"/>
+              </a:rPr>
+              <a:t>：满足产品需求</a:t>
             </a:r>
           </a:p>
         </p:txBody>
@@ -3602,7 +3646,7 @@
         </p:nvSpPr>
         <p:spPr>
           <a:xfrm>
-            <a:off x="2938073" y="3060542"/>
+            <a:off x="2938073" y="2908142"/>
             <a:ext cx="1414852" cy="1015663"/>
           </a:xfrm>
           <a:prstGeom prst="rect">
@@ -3624,10 +3668,20 @@
           <a:p>
             <a:r>
               <a:rPr lang="zh-CN" altLang="en-US" sz="1000" dirty="0">
+                <a:solidFill>
+                  <a:srgbClr val="FF0000"/>
+                </a:solidFill>
                 <a:latin typeface="微软雅黑" panose="020B0503020204020204" pitchFamily="34" charset="-122"/>
                 <a:ea typeface="微软雅黑" panose="020B0503020204020204" pitchFamily="34" charset="-122"/>
               </a:rPr>
-              <a:t>资源包括：</a:t>
+              <a:t>资源</a:t>
+            </a:r>
+            <a:r>
+              <a:rPr lang="zh-CN" altLang="en-US" sz="1000" dirty="0">
+                <a:latin typeface="微软雅黑" panose="020B0503020204020204" pitchFamily="34" charset="-122"/>
+                <a:ea typeface="微软雅黑" panose="020B0503020204020204" pitchFamily="34" charset="-122"/>
+              </a:rPr>
+              <a:t>包括：</a:t>
             </a:r>
             <a:endParaRPr lang="en-US" altLang="zh-CN" sz="1000" dirty="0">
               <a:latin typeface="微软雅黑" panose="020B0503020204020204" pitchFamily="34" charset="-122"/>
